--- a/api/adoc/userguide/modules/fun/images/core-concepts/philosophy/hexagonal-architecture.pptx
+++ b/api/adoc/userguide/modules/fun/images/core-concepts/philosophy/hexagonal-architecture.pptx
@@ -105,6 +105,22 @@
       </a:defRPr>
     </a:lvl9pPr>
   </p:defaultTextStyle>
+  <p:extLst>
+    <p:ext uri="{EFAFB233-063F-42B5-8137-9DF3F51BA10A}">
+      <p15:sldGuideLst xmlns:p15="http://schemas.microsoft.com/office/powerpoint/2012/main">
+        <p15:guide id="1" orient="horz" pos="2160">
+          <p15:clr>
+            <a:srgbClr val="A4A3A4"/>
+          </p15:clr>
+        </p15:guide>
+        <p15:guide id="2" pos="2880">
+          <p15:clr>
+            <a:srgbClr val="A4A3A4"/>
+          </p15:clr>
+        </p15:guide>
+      </p15:sldGuideLst>
+    </p:ext>
+  </p:extLst>
 </p:presentation>
 </file>
 
@@ -167,7 +183,7 @@
           <a:p>
             <a:fld id="{1428B44B-2FF9-4D06-B62B-7968FF54AAF1}" type="datetimeFigureOut">
               <a:rPr lang="en-GB" smtClean="0"/>
-              <a:t>15/04/2017</a:t>
+              <a:t>31/01/2020</a:t>
             </a:fld>
             <a:endParaRPr lang="en-GB"/>
           </a:p>
@@ -327,7 +343,7 @@
           </a:lstStyle>
           <a:p>
             <a:r>
-              <a:rPr lang="en-US" smtClean="0"/>
+              <a:rPr lang="en-US"/>
               <a:t>Click to edit Master subtitle style</a:t>
             </a:r>
             <a:endParaRPr lang="en-US" dirty="0"/>
@@ -359,7 +375,7 @@
           </a:lstStyle>
           <a:p>
             <a:r>
-              <a:rPr lang="en-US" smtClean="0"/>
+              <a:rPr lang="en-US"/>
               <a:t>Click to edit Master title style</a:t>
             </a:r>
             <a:endParaRPr lang="en-US" dirty="0"/>
@@ -407,7 +423,7 @@
           <a:lstStyle/>
           <a:p>
             <a:r>
-              <a:rPr lang="en-US" smtClean="0"/>
+              <a:rPr lang="en-US"/>
               <a:t>Click to edit Master title style</a:t>
             </a:r>
             <a:endParaRPr lang="en-US" dirty="0"/>
@@ -431,38 +447,37 @@
           <a:p>
             <a:pPr lvl="0"/>
             <a:r>
-              <a:rPr lang="en-US" smtClean="0"/>
+              <a:rPr lang="en-US"/>
               <a:t>Click to edit Master text styles</a:t>
             </a:r>
           </a:p>
           <a:p>
             <a:pPr lvl="1"/>
             <a:r>
-              <a:rPr lang="en-US" smtClean="0"/>
+              <a:rPr lang="en-US"/>
               <a:t>Second level</a:t>
             </a:r>
           </a:p>
           <a:p>
             <a:pPr lvl="2"/>
             <a:r>
-              <a:rPr lang="en-US" smtClean="0"/>
+              <a:rPr lang="en-US"/>
               <a:t>Third level</a:t>
             </a:r>
           </a:p>
           <a:p>
             <a:pPr lvl="3"/>
             <a:r>
-              <a:rPr lang="en-US" smtClean="0"/>
+              <a:rPr lang="en-US"/>
               <a:t>Fourth level</a:t>
             </a:r>
           </a:p>
           <a:p>
             <a:pPr lvl="4"/>
             <a:r>
-              <a:rPr lang="en-US" smtClean="0"/>
+              <a:rPr lang="en-US"/>
               <a:t>Fifth level</a:t>
             </a:r>
-            <a:endParaRPr lang="en-US"/>
           </a:p>
         </p:txBody>
       </p:sp>
@@ -483,7 +498,7 @@
           <a:p>
             <a:fld id="{1428B44B-2FF9-4D06-B62B-7968FF54AAF1}" type="datetimeFigureOut">
               <a:rPr lang="en-GB" smtClean="0"/>
-              <a:t>15/04/2017</a:t>
+              <a:t>31/01/2020</a:t>
             </a:fld>
             <a:endParaRPr lang="en-GB"/>
           </a:p>
@@ -577,7 +592,7 @@
           <a:lstStyle/>
           <a:p>
             <a:r>
-              <a:rPr lang="en-US" smtClean="0"/>
+              <a:rPr lang="en-US"/>
               <a:t>Click to edit Master title style</a:t>
             </a:r>
             <a:endParaRPr lang="en-US" dirty="0"/>
@@ -606,38 +621,37 @@
           <a:p>
             <a:pPr lvl="0"/>
             <a:r>
-              <a:rPr lang="en-US" smtClean="0"/>
+              <a:rPr lang="en-US"/>
               <a:t>Click to edit Master text styles</a:t>
             </a:r>
           </a:p>
           <a:p>
             <a:pPr lvl="1"/>
             <a:r>
-              <a:rPr lang="en-US" smtClean="0"/>
+              <a:rPr lang="en-US"/>
               <a:t>Second level</a:t>
             </a:r>
           </a:p>
           <a:p>
             <a:pPr lvl="2"/>
             <a:r>
-              <a:rPr lang="en-US" smtClean="0"/>
+              <a:rPr lang="en-US"/>
               <a:t>Third level</a:t>
             </a:r>
           </a:p>
           <a:p>
             <a:pPr lvl="3"/>
             <a:r>
-              <a:rPr lang="en-US" smtClean="0"/>
+              <a:rPr lang="en-US"/>
               <a:t>Fourth level</a:t>
             </a:r>
           </a:p>
           <a:p>
             <a:pPr lvl="4"/>
             <a:r>
-              <a:rPr lang="en-US" smtClean="0"/>
+              <a:rPr lang="en-US"/>
               <a:t>Fifth level</a:t>
             </a:r>
-            <a:endParaRPr lang="en-US"/>
           </a:p>
         </p:txBody>
       </p:sp>
@@ -658,7 +672,7 @@
           <a:p>
             <a:fld id="{1428B44B-2FF9-4D06-B62B-7968FF54AAF1}" type="datetimeFigureOut">
               <a:rPr lang="en-GB" smtClean="0"/>
-              <a:t>15/04/2017</a:t>
+              <a:t>31/01/2020</a:t>
             </a:fld>
             <a:endParaRPr lang="en-GB"/>
           </a:p>
@@ -752,7 +766,7 @@
           <a:lstStyle/>
           <a:p>
             <a:r>
-              <a:rPr lang="en-US" smtClean="0"/>
+              <a:rPr lang="en-US"/>
               <a:t>Click to edit Master title style</a:t>
             </a:r>
             <a:endParaRPr lang="en-US" dirty="0"/>
@@ -776,7 +790,7 @@
           <a:p>
             <a:fld id="{1428B44B-2FF9-4D06-B62B-7968FF54AAF1}" type="datetimeFigureOut">
               <a:rPr lang="en-GB" smtClean="0"/>
-              <a:t>15/04/2017</a:t>
+              <a:t>31/01/2020</a:t>
             </a:fld>
             <a:endParaRPr lang="en-GB"/>
           </a:p>
@@ -846,35 +860,35 @@
           <a:p>
             <a:pPr lvl="0"/>
             <a:r>
-              <a:rPr lang="en-US" smtClean="0"/>
+              <a:rPr lang="en-US"/>
               <a:t>Click to edit Master text styles</a:t>
             </a:r>
           </a:p>
           <a:p>
             <a:pPr lvl="1"/>
             <a:r>
-              <a:rPr lang="en-US" smtClean="0"/>
+              <a:rPr lang="en-US"/>
               <a:t>Second level</a:t>
             </a:r>
           </a:p>
           <a:p>
             <a:pPr lvl="2"/>
             <a:r>
-              <a:rPr lang="en-US" smtClean="0"/>
+              <a:rPr lang="en-US"/>
               <a:t>Third level</a:t>
             </a:r>
           </a:p>
           <a:p>
             <a:pPr lvl="3"/>
             <a:r>
-              <a:rPr lang="en-US" smtClean="0"/>
+              <a:rPr lang="en-US"/>
               <a:t>Fourth level</a:t>
             </a:r>
           </a:p>
           <a:p>
             <a:pPr lvl="4"/>
             <a:r>
-              <a:rPr lang="en-US" smtClean="0"/>
+              <a:rPr lang="en-US"/>
               <a:t>Fifth level</a:t>
             </a:r>
             <a:endParaRPr lang="en-US" dirty="0"/>
@@ -931,7 +945,7 @@
           </a:lstStyle>
           <a:p>
             <a:r>
-              <a:rPr lang="en-US" smtClean="0"/>
+              <a:rPr lang="en-US"/>
               <a:t>Click to edit Master title style</a:t>
             </a:r>
             <a:endParaRPr lang="en-US" dirty="0"/>
@@ -1051,7 +1065,7 @@
           <a:p>
             <a:pPr lvl="0"/>
             <a:r>
-              <a:rPr lang="en-US" smtClean="0"/>
+              <a:rPr lang="en-US"/>
               <a:t>Click to edit Master text styles</a:t>
             </a:r>
           </a:p>
@@ -1074,7 +1088,7 @@
           <a:p>
             <a:fld id="{1428B44B-2FF9-4D06-B62B-7968FF54AAF1}" type="datetimeFigureOut">
               <a:rPr lang="en-GB" smtClean="0"/>
-              <a:t>15/04/2017</a:t>
+              <a:t>31/01/2020</a:t>
             </a:fld>
             <a:endParaRPr lang="en-GB"/>
           </a:p>
@@ -1205,38 +1219,38 @@
           <a:p>
             <a:pPr lvl="0"/>
             <a:r>
-              <a:rPr lang="en-US" smtClean="0"/>
+              <a:rPr lang="en-US"/>
               <a:t>Click to edit Master text styles</a:t>
             </a:r>
           </a:p>
           <a:p>
             <a:pPr lvl="1"/>
             <a:r>
-              <a:rPr lang="en-US" smtClean="0"/>
+              <a:rPr lang="en-US"/>
               <a:t>Second level</a:t>
             </a:r>
           </a:p>
           <a:p>
             <a:pPr lvl="2"/>
             <a:r>
-              <a:rPr lang="en-US" smtClean="0"/>
+              <a:rPr lang="en-US"/>
               <a:t>Third level</a:t>
             </a:r>
           </a:p>
           <a:p>
             <a:pPr lvl="3"/>
             <a:r>
-              <a:rPr lang="en-US" smtClean="0"/>
+              <a:rPr lang="en-US"/>
               <a:t>Fourth level</a:t>
             </a:r>
           </a:p>
           <a:p>
             <a:pPr lvl="4"/>
             <a:r>
-              <a:rPr lang="en-US" smtClean="0"/>
+              <a:rPr lang="en-US"/>
               <a:t>Fifth level</a:t>
             </a:r>
-            <a:endParaRPr lang="en-US" dirty="0" smtClean="0"/>
+            <a:endParaRPr lang="en-US" dirty="0"/>
           </a:p>
         </p:txBody>
       </p:sp>
@@ -1287,38 +1301,38 @@
           <a:p>
             <a:pPr lvl="0"/>
             <a:r>
-              <a:rPr lang="en-US" smtClean="0"/>
+              <a:rPr lang="en-US"/>
               <a:t>Click to edit Master text styles</a:t>
             </a:r>
           </a:p>
           <a:p>
             <a:pPr lvl="1"/>
             <a:r>
-              <a:rPr lang="en-US" smtClean="0"/>
+              <a:rPr lang="en-US"/>
               <a:t>Second level</a:t>
             </a:r>
           </a:p>
           <a:p>
             <a:pPr lvl="2"/>
             <a:r>
-              <a:rPr lang="en-US" smtClean="0"/>
+              <a:rPr lang="en-US"/>
               <a:t>Third level</a:t>
             </a:r>
           </a:p>
           <a:p>
             <a:pPr lvl="3"/>
             <a:r>
-              <a:rPr lang="en-US" smtClean="0"/>
+              <a:rPr lang="en-US"/>
               <a:t>Fourth level</a:t>
             </a:r>
           </a:p>
           <a:p>
             <a:pPr lvl="4"/>
             <a:r>
-              <a:rPr lang="en-US" smtClean="0"/>
+              <a:rPr lang="en-US"/>
               <a:t>Fifth level</a:t>
             </a:r>
-            <a:endParaRPr lang="en-US" dirty="0" smtClean="0"/>
+            <a:endParaRPr lang="en-US" dirty="0"/>
           </a:p>
         </p:txBody>
       </p:sp>
@@ -1343,7 +1357,7 @@
           <a:lstStyle/>
           <a:p>
             <a:r>
-              <a:rPr lang="en-US" smtClean="0"/>
+              <a:rPr lang="en-US"/>
               <a:t>Click to edit Master title style</a:t>
             </a:r>
             <a:endParaRPr lang="en-US" dirty="0"/>
@@ -1367,7 +1381,7 @@
           <a:p>
             <a:fld id="{1428B44B-2FF9-4D06-B62B-7968FF54AAF1}" type="datetimeFigureOut">
               <a:rPr lang="en-GB" smtClean="0"/>
-              <a:t>15/04/2017</a:t>
+              <a:t>31/01/2020</a:t>
             </a:fld>
             <a:endParaRPr lang="en-GB"/>
           </a:p>
@@ -1487,38 +1501,38 @@
           <a:p>
             <a:pPr lvl="0"/>
             <a:r>
-              <a:rPr lang="en-US" smtClean="0"/>
+              <a:rPr lang="en-US"/>
               <a:t>Click to edit Master text styles</a:t>
             </a:r>
           </a:p>
           <a:p>
             <a:pPr lvl="1"/>
             <a:r>
-              <a:rPr lang="en-US" smtClean="0"/>
+              <a:rPr lang="en-US"/>
               <a:t>Second level</a:t>
             </a:r>
           </a:p>
           <a:p>
             <a:pPr lvl="2"/>
             <a:r>
-              <a:rPr lang="en-US" smtClean="0"/>
+              <a:rPr lang="en-US"/>
               <a:t>Third level</a:t>
             </a:r>
           </a:p>
           <a:p>
             <a:pPr lvl="3"/>
             <a:r>
-              <a:rPr lang="en-US" smtClean="0"/>
+              <a:rPr lang="en-US"/>
               <a:t>Fourth level</a:t>
             </a:r>
           </a:p>
           <a:p>
             <a:pPr lvl="4"/>
             <a:r>
-              <a:rPr lang="en-US" smtClean="0"/>
+              <a:rPr lang="en-US"/>
               <a:t>Fifth level</a:t>
             </a:r>
-            <a:endParaRPr lang="en-US" dirty="0" smtClean="0"/>
+            <a:endParaRPr lang="en-US" dirty="0"/>
           </a:p>
         </p:txBody>
       </p:sp>
@@ -1569,38 +1583,38 @@
           <a:p>
             <a:pPr lvl="0"/>
             <a:r>
-              <a:rPr lang="en-US" smtClean="0"/>
+              <a:rPr lang="en-US"/>
               <a:t>Click to edit Master text styles</a:t>
             </a:r>
           </a:p>
           <a:p>
             <a:pPr lvl="1"/>
             <a:r>
-              <a:rPr lang="en-US" smtClean="0"/>
+              <a:rPr lang="en-US"/>
               <a:t>Second level</a:t>
             </a:r>
           </a:p>
           <a:p>
             <a:pPr lvl="2"/>
             <a:r>
-              <a:rPr lang="en-US" smtClean="0"/>
+              <a:rPr lang="en-US"/>
               <a:t>Third level</a:t>
             </a:r>
           </a:p>
           <a:p>
             <a:pPr lvl="3"/>
             <a:r>
-              <a:rPr lang="en-US" smtClean="0"/>
+              <a:rPr lang="en-US"/>
               <a:t>Fourth level</a:t>
             </a:r>
           </a:p>
           <a:p>
             <a:pPr lvl="4"/>
             <a:r>
-              <a:rPr lang="en-US" smtClean="0"/>
+              <a:rPr lang="en-US"/>
               <a:t>Fifth level</a:t>
             </a:r>
-            <a:endParaRPr lang="en-US" dirty="0" smtClean="0"/>
+            <a:endParaRPr lang="en-US" dirty="0"/>
           </a:p>
         </p:txBody>
       </p:sp>
@@ -1629,7 +1643,7 @@
           </a:lstStyle>
           <a:p>
             <a:r>
-              <a:rPr lang="en-US" smtClean="0"/>
+              <a:rPr lang="en-US"/>
               <a:t>Click to edit Master title style</a:t>
             </a:r>
             <a:endParaRPr lang="en-US" dirty="0"/>
@@ -1701,7 +1715,7 @@
           <a:p>
             <a:pPr lvl="0"/>
             <a:r>
-              <a:rPr lang="en-US" smtClean="0"/>
+              <a:rPr lang="en-US"/>
               <a:t>Click to edit Master text styles</a:t>
             </a:r>
           </a:p>
@@ -1772,7 +1786,7 @@
           <a:p>
             <a:pPr lvl="0"/>
             <a:r>
-              <a:rPr lang="en-US" smtClean="0"/>
+              <a:rPr lang="en-US"/>
               <a:t>Click to edit Master text styles</a:t>
             </a:r>
           </a:p>
@@ -1795,7 +1809,7 @@
           <a:p>
             <a:fld id="{1428B44B-2FF9-4D06-B62B-7968FF54AAF1}" type="datetimeFigureOut">
               <a:rPr lang="en-GB" smtClean="0"/>
-              <a:t>15/04/2017</a:t>
+              <a:t>31/01/2020</a:t>
             </a:fld>
             <a:endParaRPr lang="en-GB"/>
           </a:p>
@@ -1889,7 +1903,7 @@
           <a:lstStyle/>
           <a:p>
             <a:r>
-              <a:rPr lang="en-US" smtClean="0"/>
+              <a:rPr lang="en-US"/>
               <a:t>Click to edit Master title style</a:t>
             </a:r>
             <a:endParaRPr lang="en-US" dirty="0"/>
@@ -1913,7 +1927,7 @@
           <a:p>
             <a:fld id="{1428B44B-2FF9-4D06-B62B-7968FF54AAF1}" type="datetimeFigureOut">
               <a:rPr lang="en-GB" smtClean="0"/>
-              <a:t>15/04/2017</a:t>
+              <a:t>31/01/2020</a:t>
             </a:fld>
             <a:endParaRPr lang="en-GB"/>
           </a:p>
@@ -2003,7 +2017,7 @@
           <a:p>
             <a:fld id="{1428B44B-2FF9-4D06-B62B-7968FF54AAF1}" type="datetimeFigureOut">
               <a:rPr lang="en-GB" smtClean="0"/>
-              <a:t>15/04/2017</a:t>
+              <a:t>31/01/2020</a:t>
             </a:fld>
             <a:endParaRPr lang="en-GB"/>
           </a:p>
@@ -2098,35 +2112,35 @@
           <a:p>
             <a:pPr lvl="0"/>
             <a:r>
-              <a:rPr lang="en-US" smtClean="0"/>
+              <a:rPr lang="en-US"/>
               <a:t>Click to edit Master text styles</a:t>
             </a:r>
           </a:p>
           <a:p>
             <a:pPr lvl="1"/>
             <a:r>
-              <a:rPr lang="en-US" smtClean="0"/>
+              <a:rPr lang="en-US"/>
               <a:t>Second level</a:t>
             </a:r>
           </a:p>
           <a:p>
             <a:pPr lvl="2"/>
             <a:r>
-              <a:rPr lang="en-US" smtClean="0"/>
+              <a:rPr lang="en-US"/>
               <a:t>Third level</a:t>
             </a:r>
           </a:p>
           <a:p>
             <a:pPr lvl="3"/>
             <a:r>
-              <a:rPr lang="en-US" smtClean="0"/>
+              <a:rPr lang="en-US"/>
               <a:t>Fourth level</a:t>
             </a:r>
           </a:p>
           <a:p>
             <a:pPr lvl="4"/>
             <a:r>
-              <a:rPr lang="en-US" smtClean="0"/>
+              <a:rPr lang="en-US"/>
               <a:t>Fifth level</a:t>
             </a:r>
             <a:endParaRPr lang="en-US" dirty="0"/>
@@ -2162,7 +2176,7 @@
           </a:lstStyle>
           <a:p>
             <a:r>
-              <a:rPr lang="en-US" smtClean="0"/>
+              <a:rPr lang="en-US"/>
               <a:t>Click to edit Master title style</a:t>
             </a:r>
             <a:endParaRPr lang="en-US" dirty="0"/>
@@ -2230,7 +2244,7 @@
           <a:p>
             <a:pPr lvl="0"/>
             <a:r>
-              <a:rPr lang="en-US" smtClean="0"/>
+              <a:rPr lang="en-US"/>
               <a:t>Click to edit Master text styles</a:t>
             </a:r>
           </a:p>
@@ -2253,7 +2267,7 @@
           <a:p>
             <a:fld id="{1428B44B-2FF9-4D06-B62B-7968FF54AAF1}" type="datetimeFigureOut">
               <a:rPr lang="en-GB" smtClean="0"/>
-              <a:t>15/04/2017</a:t>
+              <a:t>31/01/2020</a:t>
             </a:fld>
             <a:endParaRPr lang="en-GB"/>
           </a:p>
@@ -2379,7 +2393,7 @@
           </a:lstStyle>
           <a:p>
             <a:r>
-              <a:rPr lang="en-US" smtClean="0"/>
+              <a:rPr lang="en-US"/>
               <a:t>Click to edit Master title style</a:t>
             </a:r>
             <a:endParaRPr lang="en-US" dirty="0"/>
@@ -2678,7 +2692,7 @@
           </a:lstStyle>
           <a:p>
             <a:r>
-              <a:rPr lang="en-US" smtClean="0"/>
+              <a:rPr lang="en-US"/>
               <a:t>Click icon to add picture</a:t>
             </a:r>
             <a:endParaRPr lang="en-US" dirty="0"/>
@@ -2746,7 +2760,7 @@
           <a:p>
             <a:pPr lvl="0"/>
             <a:r>
-              <a:rPr lang="en-US" smtClean="0"/>
+              <a:rPr lang="en-US"/>
               <a:t>Click to edit Master text styles</a:t>
             </a:r>
           </a:p>
@@ -2769,7 +2783,7 @@
           <a:p>
             <a:fld id="{1428B44B-2FF9-4D06-B62B-7968FF54AAF1}" type="datetimeFigureOut">
               <a:rPr lang="en-GB" smtClean="0"/>
-              <a:t>15/04/2017</a:t>
+              <a:t>31/01/2020</a:t>
             </a:fld>
             <a:endParaRPr lang="en-GB"/>
           </a:p>
@@ -2897,7 +2911,7 @@
           <a:lstStyle/>
           <a:p>
             <a:r>
-              <a:rPr lang="en-US" smtClean="0"/>
+              <a:rPr lang="en-US"/>
               <a:t>Click to edit Master title style</a:t>
             </a:r>
             <a:endParaRPr lang="en-US" dirty="0"/>
@@ -2931,38 +2945,38 @@
           <a:p>
             <a:pPr lvl="0"/>
             <a:r>
-              <a:rPr lang="en-US" smtClean="0"/>
+              <a:rPr lang="en-US"/>
               <a:t>Click to edit Master text styles</a:t>
             </a:r>
           </a:p>
           <a:p>
             <a:pPr lvl="1"/>
             <a:r>
-              <a:rPr lang="en-US" smtClean="0"/>
+              <a:rPr lang="en-US"/>
               <a:t>Second level</a:t>
             </a:r>
           </a:p>
           <a:p>
             <a:pPr lvl="2"/>
             <a:r>
-              <a:rPr lang="en-US" smtClean="0"/>
+              <a:rPr lang="en-US"/>
               <a:t>Third level</a:t>
             </a:r>
           </a:p>
           <a:p>
             <a:pPr lvl="3"/>
             <a:r>
-              <a:rPr lang="en-US" smtClean="0"/>
+              <a:rPr lang="en-US"/>
               <a:t>Fourth level</a:t>
             </a:r>
           </a:p>
           <a:p>
             <a:pPr lvl="4"/>
             <a:r>
-              <a:rPr lang="en-US" smtClean="0"/>
+              <a:rPr lang="en-US"/>
               <a:t>Fifth level</a:t>
             </a:r>
-            <a:endParaRPr lang="en-US" dirty="0" smtClean="0"/>
+            <a:endParaRPr lang="en-US" dirty="0"/>
           </a:p>
         </p:txBody>
       </p:sp>
@@ -2999,7 +3013,7 @@
           <a:p>
             <a:fld id="{1428B44B-2FF9-4D06-B62B-7968FF54AAF1}" type="datetimeFigureOut">
               <a:rPr lang="en-GB" smtClean="0"/>
-              <a:t>15/04/2017</a:t>
+              <a:t>31/01/2020</a:t>
             </a:fld>
             <a:endParaRPr lang="en-GB"/>
           </a:p>
@@ -3577,10 +3591,9 @@
             <a:lstStyle/>
             <a:p>
               <a:r>
-                <a:rPr lang="en-GB" dirty="0" smtClean="0"/>
+                <a:rPr lang="en-GB" dirty="0"/>
                 <a:t>Ports</a:t>
               </a:r>
-              <a:endParaRPr lang="en-GB" dirty="0"/>
             </a:p>
           </p:txBody>
         </p:sp>
@@ -3607,10 +3620,9 @@
             <a:lstStyle/>
             <a:p>
               <a:r>
-                <a:rPr lang="en-GB" dirty="0" smtClean="0"/>
+                <a:rPr lang="en-GB" dirty="0"/>
                 <a:t>Ports</a:t>
               </a:r>
-              <a:endParaRPr lang="en-GB" dirty="0"/>
             </a:p>
           </p:txBody>
         </p:sp>
@@ -3638,10 +3650,9 @@
           <a:lstStyle/>
           <a:p>
             <a:r>
-              <a:rPr lang="en-GB" dirty="0" smtClean="0"/>
+              <a:rPr lang="en-GB" dirty="0"/>
               <a:t>Adapters</a:t>
             </a:r>
-            <a:endParaRPr lang="en-GB" dirty="0"/>
           </a:p>
         </p:txBody>
       </p:sp>
@@ -3668,10 +3679,9 @@
           <a:lstStyle/>
           <a:p>
             <a:r>
-              <a:rPr lang="en-GB" dirty="0" smtClean="0"/>
+              <a:rPr lang="en-GB" dirty="0"/>
               <a:t>Adapters</a:t>
             </a:r>
-            <a:endParaRPr lang="en-GB" dirty="0"/>
           </a:p>
         </p:txBody>
       </p:sp>
@@ -3792,10 +3802,9 @@
             <a:lstStyle/>
             <a:p>
               <a:r>
-                <a:rPr lang="en-GB" dirty="0" smtClean="0"/>
+                <a:rPr lang="en-GB" dirty="0"/>
                 <a:t>Presentation</a:t>
               </a:r>
-              <a:endParaRPr lang="en-GB" dirty="0"/>
             </a:p>
           </p:txBody>
         </p:sp>
@@ -3877,10 +3886,9 @@
             <a:lstStyle/>
             <a:p>
               <a:r>
-                <a:rPr lang="en-GB" dirty="0" smtClean="0"/>
+                <a:rPr lang="en-GB" dirty="0"/>
                 <a:t>Persistence</a:t>
               </a:r>
-              <a:endParaRPr lang="en-GB" dirty="0"/>
             </a:p>
           </p:txBody>
         </p:sp>
@@ -3974,10 +3982,9 @@
             <a:p>
               <a:pPr algn="ctr"/>
               <a:r>
-                <a:rPr lang="en-GB" dirty="0" smtClean="0"/>
+                <a:rPr lang="en-GB" dirty="0"/>
                 <a:t>Wicket</a:t>
               </a:r>
-              <a:endParaRPr lang="en-GB" dirty="0"/>
             </a:p>
           </p:txBody>
         </p:sp>
@@ -4067,10 +4074,9 @@
             <a:p>
               <a:pPr algn="ctr"/>
               <a:r>
-                <a:rPr lang="en-GB" dirty="0" smtClean="0"/>
+                <a:rPr lang="en-GB" dirty="0"/>
                 <a:t>Restful</a:t>
               </a:r>
-              <a:endParaRPr lang="en-GB" dirty="0"/>
             </a:p>
           </p:txBody>
         </p:sp>
@@ -4160,17 +4166,16 @@
             <a:p>
               <a:pPr algn="ctr"/>
               <a:r>
-                <a:rPr lang="en-GB" dirty="0" smtClean="0"/>
+                <a:rPr lang="en-GB" dirty="0"/>
                 <a:t>Wrapper</a:t>
               </a:r>
               <a:br>
-                <a:rPr lang="en-GB" dirty="0" smtClean="0"/>
+                <a:rPr lang="en-GB" dirty="0"/>
               </a:br>
               <a:r>
-                <a:rPr lang="en-GB" dirty="0" smtClean="0"/>
+                <a:rPr lang="en-GB" dirty="0"/>
                 <a:t>(testing)</a:t>
               </a:r>
-              <a:endParaRPr lang="en-GB" dirty="0"/>
             </a:p>
           </p:txBody>
         </p:sp>
@@ -4236,10 +4241,9 @@
           <a:lstStyle/>
           <a:p>
             <a:r>
-              <a:rPr lang="en-GB" dirty="0" smtClean="0"/>
+              <a:rPr lang="en-GB" dirty="0"/>
               <a:t>Viewers</a:t>
             </a:r>
-            <a:endParaRPr lang="en-GB" dirty="0"/>
           </a:p>
         </p:txBody>
       </p:sp>
@@ -4267,17 +4271,16 @@
           <a:p>
             <a:pPr algn="ctr"/>
             <a:r>
-              <a:rPr lang="en-GB" dirty="0" smtClean="0"/>
+              <a:rPr lang="en-GB" dirty="0"/>
               <a:t>Object</a:t>
             </a:r>
             <a:br>
-              <a:rPr lang="en-GB" dirty="0" smtClean="0"/>
+              <a:rPr lang="en-GB" dirty="0"/>
             </a:br>
             <a:r>
-              <a:rPr lang="en-GB" dirty="0" smtClean="0"/>
+              <a:rPr lang="en-GB" dirty="0"/>
               <a:t>Stores</a:t>
             </a:r>
-            <a:endParaRPr lang="en-GB" dirty="0"/>
           </a:p>
         </p:txBody>
       </p:sp>
@@ -4408,7 +4411,6 @@
               <a:rPr lang="en-GB" dirty="0"/>
               <a:t>RDBMS</a:t>
             </a:r>
-            <a:endParaRPr lang="en-GB" dirty="0"/>
           </a:p>
         </p:txBody>
       </p:sp>
@@ -4447,10 +4449,9 @@
           <a:p>
             <a:pPr algn="ctr"/>
             <a:r>
-              <a:rPr lang="en-GB" dirty="0" smtClean="0"/>
+              <a:rPr lang="en-GB" dirty="0"/>
               <a:t>RDBMS</a:t>
             </a:r>
-            <a:endParaRPr lang="en-GB" dirty="0"/>
           </a:p>
         </p:txBody>
       </p:sp>
@@ -4566,21 +4567,20 @@
           <a:p>
             <a:pPr algn="ctr"/>
             <a:r>
-              <a:rPr lang="en-GB" dirty="0" err="1" smtClean="0"/>
+              <a:rPr lang="en-GB" dirty="0" err="1"/>
               <a:t>DataNucleus</a:t>
             </a:r>
             <a:r>
-              <a:rPr lang="en-GB" dirty="0" smtClean="0"/>
+              <a:rPr lang="en-GB" dirty="0"/>
               <a:t>/</a:t>
             </a:r>
             <a:br>
-              <a:rPr lang="en-GB" dirty="0" smtClean="0"/>
+              <a:rPr lang="en-GB" dirty="0"/>
             </a:br>
             <a:r>
-              <a:rPr lang="en-GB" dirty="0" smtClean="0"/>
+              <a:rPr lang="en-GB" dirty="0"/>
               <a:t>Neo4J</a:t>
             </a:r>
-            <a:endParaRPr lang="en-GB" dirty="0"/>
           </a:p>
         </p:txBody>
       </p:sp>
@@ -4619,10 +4619,9 @@
           <a:p>
             <a:pPr algn="ctr"/>
             <a:r>
-              <a:rPr lang="en-GB" dirty="0" smtClean="0"/>
+              <a:rPr lang="en-GB" dirty="0"/>
               <a:t>Neo4J</a:t>
             </a:r>
-            <a:endParaRPr lang="en-GB" dirty="0"/>
           </a:p>
         </p:txBody>
       </p:sp>
@@ -4675,13 +4674,6 @@
   <p:clrMapOvr>
     <a:masterClrMapping/>
   </p:clrMapOvr>
-  <p:timing>
-    <p:tnLst>
-      <p:par>
-        <p:cTn id="1" dur="indefinite" restart="never" nodeType="tmRoot"/>
-      </p:par>
-    </p:tnLst>
-  </p:timing>
 </p:sld>
 </file>
 
@@ -5133,10 +5125,9 @@
             <a:p>
               <a:pPr algn="ctr"/>
               <a:r>
-                <a:rPr lang="en-GB" dirty="0" smtClean="0"/>
+                <a:rPr lang="en-GB" dirty="0"/>
                 <a:t>Wicket</a:t>
               </a:r>
-              <a:endParaRPr lang="en-GB" dirty="0"/>
             </a:p>
           </p:txBody>
         </p:sp>
@@ -5226,10 +5217,9 @@
             <a:p>
               <a:pPr algn="ctr"/>
               <a:r>
-                <a:rPr lang="en-GB" dirty="0" smtClean="0"/>
+                <a:rPr lang="en-GB" dirty="0"/>
                 <a:t>Restful</a:t>
               </a:r>
-              <a:endParaRPr lang="en-GB" dirty="0"/>
             </a:p>
           </p:txBody>
         </p:sp>
@@ -5319,17 +5309,16 @@
             <a:p>
               <a:pPr algn="ctr"/>
               <a:r>
-                <a:rPr lang="en-GB" dirty="0" smtClean="0"/>
+                <a:rPr lang="en-GB" dirty="0"/>
                 <a:t>Wrapper</a:t>
               </a:r>
               <a:br>
-                <a:rPr lang="en-GB" dirty="0" smtClean="0"/>
+                <a:rPr lang="en-GB" dirty="0"/>
               </a:br>
               <a:r>
-                <a:rPr lang="en-GB" dirty="0" smtClean="0"/>
+                <a:rPr lang="en-GB" dirty="0"/>
                 <a:t>(testing)</a:t>
               </a:r>
-              <a:endParaRPr lang="en-GB" dirty="0"/>
             </a:p>
           </p:txBody>
         </p:sp>
@@ -5407,17 +5396,16 @@
           <a:p>
             <a:pPr algn="ctr"/>
             <a:r>
-              <a:rPr lang="en-GB" sz="1600" dirty="0" smtClean="0"/>
+              <a:rPr lang="en-GB" sz="1600" dirty="0"/>
               <a:t>Custom</a:t>
             </a:r>
             <a:br>
-              <a:rPr lang="en-GB" sz="1600" dirty="0" smtClean="0"/>
+              <a:rPr lang="en-GB" sz="1600" dirty="0"/>
             </a:br>
             <a:r>
-              <a:rPr lang="en-GB" sz="1600" dirty="0" smtClean="0"/>
+              <a:rPr lang="en-GB" sz="1600" dirty="0"/>
               <a:t>service</a:t>
             </a:r>
-            <a:endParaRPr lang="en-GB" sz="1600" dirty="0"/>
           </a:p>
         </p:txBody>
       </p:sp>
@@ -5456,23 +5444,26 @@
           <a:p>
             <a:pPr algn="ctr"/>
             <a:r>
-              <a:rPr lang="en-GB" dirty="0" smtClean="0"/>
+              <a:rPr lang="en-GB" dirty="0"/>
               <a:t>Security</a:t>
             </a:r>
-            <a:endParaRPr lang="en-GB" dirty="0"/>
           </a:p>
         </p:txBody>
       </p:sp>
       <p:cxnSp>
         <p:nvCxnSpPr>
           <p:cNvPr id="48" name="Curved Connector 47"/>
-          <p:cNvCxnSpPr/>
+          <p:cNvCxnSpPr>
+            <a:cxnSpLocks/>
+            <a:stCxn id="22" idx="5"/>
+            <a:endCxn id="4" idx="2"/>
+          </p:cNvCxnSpPr>
           <p:nvPr/>
         </p:nvCxnSpPr>
         <p:spPr>
           <a:xfrm rot="5400000" flipH="1" flipV="1">
-            <a:off x="1081786" y="3930882"/>
-            <a:ext cx="2124239" cy="1048466"/>
+            <a:off x="2418866" y="4614080"/>
+            <a:ext cx="939895" cy="841750"/>
           </a:xfrm>
           <a:prstGeom prst="curvedConnector3">
             <a:avLst>
@@ -5541,23 +5532,25 @@
           <a:p>
             <a:pPr algn="ctr"/>
             <a:r>
-              <a:rPr lang="en-GB" sz="1600" dirty="0" smtClean="0"/>
+              <a:rPr lang="en-GB" sz="1600" dirty="0"/>
               <a:t>Commands</a:t>
             </a:r>
-            <a:endParaRPr lang="en-GB" sz="1600" dirty="0"/>
           </a:p>
         </p:txBody>
       </p:sp>
       <p:cxnSp>
         <p:nvCxnSpPr>
           <p:cNvPr id="56" name="Curved Connector 55"/>
-          <p:cNvCxnSpPr/>
+          <p:cNvCxnSpPr>
+            <a:cxnSpLocks/>
+            <a:endCxn id="4" idx="2"/>
+          </p:cNvCxnSpPr>
           <p:nvPr/>
         </p:nvCxnSpPr>
         <p:spPr>
           <a:xfrm rot="16200000" flipV="1">
-            <a:off x="1736026" y="4325110"/>
-            <a:ext cx="2399938" cy="535709"/>
+            <a:off x="2849286" y="5025410"/>
+            <a:ext cx="1227927" cy="307122"/>
           </a:xfrm>
           <a:prstGeom prst="curvedConnector3">
             <a:avLst>
@@ -5594,13 +5587,17 @@
       <p:cxnSp>
         <p:nvCxnSpPr>
           <p:cNvPr id="74" name="Curved Connector 73"/>
-          <p:cNvCxnSpPr/>
+          <p:cNvCxnSpPr>
+            <a:cxnSpLocks/>
+            <a:stCxn id="89" idx="4"/>
+            <a:endCxn id="4" idx="1"/>
+          </p:cNvCxnSpPr>
           <p:nvPr/>
         </p:nvCxnSpPr>
         <p:spPr>
           <a:xfrm rot="16200000" flipV="1">
-            <a:off x="5046840" y="4073773"/>
-            <a:ext cx="2484275" cy="1122724"/>
+            <a:off x="4994902" y="4643990"/>
+            <a:ext cx="1384273" cy="1226308"/>
           </a:xfrm>
           <a:prstGeom prst="curvedConnector3">
             <a:avLst>
@@ -5722,7 +5719,6 @@
               <a:rPr lang="en-GB" dirty="0"/>
               <a:t>RDBMS</a:t>
             </a:r>
-            <a:endParaRPr lang="en-GB" dirty="0"/>
           </a:p>
         </p:txBody>
       </p:sp>
@@ -5761,10 +5757,9 @@
           <a:p>
             <a:pPr algn="ctr"/>
             <a:r>
-              <a:rPr lang="en-GB" dirty="0" smtClean="0"/>
+              <a:rPr lang="en-GB" dirty="0"/>
               <a:t>RDBMS</a:t>
             </a:r>
-            <a:endParaRPr lang="en-GB" dirty="0"/>
           </a:p>
         </p:txBody>
       </p:sp>
@@ -5860,7 +5855,7 @@
         <p:spPr>
           <a:xfrm>
             <a:off x="1212421" y="6372036"/>
-            <a:ext cx="2999539" cy="369332"/>
+            <a:ext cx="1923925" cy="369332"/>
           </a:xfrm>
           <a:prstGeom prst="rect">
             <a:avLst/>
@@ -5874,14 +5869,9 @@
           <a:lstStyle/>
           <a:p>
             <a:r>
-              <a:rPr lang="en-GB" dirty="0" smtClean="0"/>
-              <a:t>Isis </a:t>
-            </a:r>
-            <a:r>
-              <a:rPr lang="en-GB" dirty="0" smtClean="0"/>
-              <a:t>add-ons SPI implementations</a:t>
-            </a:r>
-            <a:endParaRPr lang="en-GB" dirty="0"/>
+              <a:rPr lang="en-GB" dirty="0"/>
+              <a:t>SPI implementations</a:t>
+            </a:r>
           </a:p>
         </p:txBody>
       </p:sp>
@@ -5959,21 +5949,20 @@
           <a:p>
             <a:pPr algn="ctr"/>
             <a:r>
-              <a:rPr lang="en-GB" dirty="0" err="1" smtClean="0"/>
+              <a:rPr lang="en-GB" dirty="0" err="1"/>
               <a:t>DataNucleus</a:t>
             </a:r>
             <a:r>
-              <a:rPr lang="en-GB" dirty="0" smtClean="0"/>
+              <a:rPr lang="en-GB" dirty="0"/>
               <a:t>/</a:t>
             </a:r>
             <a:br>
-              <a:rPr lang="en-GB" dirty="0" smtClean="0"/>
+              <a:rPr lang="en-GB" dirty="0"/>
             </a:br>
             <a:r>
-              <a:rPr lang="en-GB" dirty="0" smtClean="0"/>
+              <a:rPr lang="en-GB" dirty="0"/>
               <a:t>Neo4J</a:t>
             </a:r>
-            <a:endParaRPr lang="en-GB" dirty="0"/>
           </a:p>
         </p:txBody>
       </p:sp>
@@ -6012,10 +6001,9 @@
           <a:p>
             <a:pPr algn="ctr"/>
             <a:r>
-              <a:rPr lang="en-GB" dirty="0" smtClean="0"/>
+              <a:rPr lang="en-GB" dirty="0"/>
               <a:t>Neo4J</a:t>
             </a:r>
-            <a:endParaRPr lang="en-GB" dirty="0"/>
           </a:p>
         </p:txBody>
       </p:sp>
@@ -6066,7 +6054,7 @@
         </p:nvSpPr>
         <p:spPr>
           <a:xfrm>
-            <a:off x="4788024" y="5517232"/>
+            <a:off x="4551826" y="5517232"/>
             <a:ext cx="1388326" cy="576064"/>
           </a:xfrm>
           <a:prstGeom prst="hexagon">
@@ -6093,10 +6081,9 @@
           <a:p>
             <a:pPr algn="ctr"/>
             <a:r>
-              <a:rPr lang="en-GB" sz="1600" dirty="0" smtClean="0"/>
+              <a:rPr lang="en-GB" sz="1600" dirty="0"/>
               <a:t>Publisher</a:t>
             </a:r>
-            <a:endParaRPr lang="en-GB" sz="1600" dirty="0"/>
           </a:p>
         </p:txBody>
       </p:sp>
@@ -6135,7 +6122,7 @@
           <a:p>
             <a:pPr algn="ctr"/>
             <a:r>
-              <a:rPr lang="en-GB" sz="1600" dirty="0" err="1" smtClean="0"/>
+              <a:rPr lang="en-GB" sz="1600" dirty="0" err="1"/>
               <a:t>Auditer</a:t>
             </a:r>
             <a:endParaRPr lang="en-GB" sz="1600" dirty="0"/>
@@ -6190,13 +6177,15 @@
       <p:cxnSp>
         <p:nvCxnSpPr>
           <p:cNvPr id="93" name="Curved Connector 92"/>
-          <p:cNvCxnSpPr/>
+          <p:cNvCxnSpPr>
+            <a:cxnSpLocks/>
+          </p:cNvCxnSpPr>
           <p:nvPr/>
         </p:nvCxnSpPr>
         <p:spPr>
           <a:xfrm rot="5400000" flipH="1" flipV="1">
-            <a:off x="4570488" y="4360108"/>
-            <a:ext cx="2107086" cy="207163"/>
+            <a:off x="4533016" y="4964034"/>
+            <a:ext cx="939894" cy="141842"/>
           </a:xfrm>
           <a:prstGeom prst="curvedConnector3">
             <a:avLst>
@@ -6293,10 +6282,9 @@
           <a:lstStyle/>
           <a:p>
             <a:r>
-              <a:rPr lang="en-GB" dirty="0" smtClean="0"/>
+              <a:rPr lang="en-GB" dirty="0"/>
               <a:t>API implementations</a:t>
             </a:r>
-            <a:endParaRPr lang="en-GB" dirty="0"/>
           </a:p>
         </p:txBody>
       </p:sp>
@@ -6335,17 +6323,16 @@
           <a:p>
             <a:pPr algn="ctr"/>
             <a:r>
-              <a:rPr lang="en-GB" sz="1600" dirty="0" smtClean="0"/>
+              <a:rPr lang="en-GB" sz="1600" dirty="0"/>
               <a:t>Custom</a:t>
             </a:r>
             <a:br>
-              <a:rPr lang="en-GB" sz="1600" dirty="0" smtClean="0"/>
+              <a:rPr lang="en-GB" sz="1600" dirty="0"/>
             </a:br>
             <a:r>
-              <a:rPr lang="en-GB" sz="1600" dirty="0" smtClean="0"/>
+              <a:rPr lang="en-GB" sz="1600" dirty="0"/>
               <a:t>service</a:t>
             </a:r>
-            <a:endParaRPr lang="en-GB" sz="1600" dirty="0"/>
           </a:p>
         </p:txBody>
       </p:sp>
@@ -6404,13 +6391,6 @@
   <p:clrMapOvr>
     <a:masterClrMapping/>
   </p:clrMapOvr>
-  <p:timing>
-    <p:tnLst>
-      <p:par>
-        <p:cTn id="1" dur="indefinite" restart="never" nodeType="tmRoot"/>
-      </p:par>
-    </p:tnLst>
-  </p:timing>
 </p:sld>
 </file>
 
